--- a/first2me.pptx
+++ b/first2me.pptx
@@ -8,7 +8,8 @@
     <p:sldId id="256" r:id="rId2"/>
     <p:sldId id="258" r:id="rId3"/>
     <p:sldId id="259" r:id="rId4"/>
-    <p:sldId id="257" r:id="rId5"/>
+    <p:sldId id="260" r:id="rId5"/>
+    <p:sldId id="257" r:id="rId6"/>
   </p:sldIdLst>
   <p:sldSz cx="12192000" cy="6858000"/>
   <p:notesSz cx="6858000" cy="9144000"/>
@@ -107,6 +108,11 @@
       </a:defRPr>
     </a:lvl9pPr>
   </p:defaultTextStyle>
+  <p:extLst>
+    <p:ext uri="{EFAFB233-063F-42B5-8137-9DF3F51BA10A}">
+      <p15:sldGuideLst xmlns:p15="http://schemas.microsoft.com/office/powerpoint/2012/main"/>
+    </p:ext>
+  </p:extLst>
 </p:presentation>
 </file>
 
@@ -259,7 +265,7 @@
           <a:p>
             <a:fld id="{DEAFB7DB-6AB6-4C14-B275-76DB06BB0FC6}" type="datetimeFigureOut">
               <a:rPr lang="en-GB" smtClean="0"/>
-              <a:t>23/02/2019</a:t>
+              <a:t>24/02/2019</a:t>
             </a:fld>
             <a:endParaRPr lang="en-GB"/>
           </a:p>
@@ -459,7 +465,7 @@
           <a:p>
             <a:fld id="{DEAFB7DB-6AB6-4C14-B275-76DB06BB0FC6}" type="datetimeFigureOut">
               <a:rPr lang="en-GB" smtClean="0"/>
-              <a:t>23/02/2019</a:t>
+              <a:t>24/02/2019</a:t>
             </a:fld>
             <a:endParaRPr lang="en-GB"/>
           </a:p>
@@ -669,7 +675,7 @@
           <a:p>
             <a:fld id="{DEAFB7DB-6AB6-4C14-B275-76DB06BB0FC6}" type="datetimeFigureOut">
               <a:rPr lang="en-GB" smtClean="0"/>
-              <a:t>23/02/2019</a:t>
+              <a:t>24/02/2019</a:t>
             </a:fld>
             <a:endParaRPr lang="en-GB"/>
           </a:p>
@@ -869,7 +875,7 @@
           <a:p>
             <a:fld id="{DEAFB7DB-6AB6-4C14-B275-76DB06BB0FC6}" type="datetimeFigureOut">
               <a:rPr lang="en-GB" smtClean="0"/>
-              <a:t>23/02/2019</a:t>
+              <a:t>24/02/2019</a:t>
             </a:fld>
             <a:endParaRPr lang="en-GB"/>
           </a:p>
@@ -1145,7 +1151,7 @@
           <a:p>
             <a:fld id="{DEAFB7DB-6AB6-4C14-B275-76DB06BB0FC6}" type="datetimeFigureOut">
               <a:rPr lang="en-GB" smtClean="0"/>
-              <a:t>23/02/2019</a:t>
+              <a:t>24/02/2019</a:t>
             </a:fld>
             <a:endParaRPr lang="en-GB"/>
           </a:p>
@@ -1413,7 +1419,7 @@
           <a:p>
             <a:fld id="{DEAFB7DB-6AB6-4C14-B275-76DB06BB0FC6}" type="datetimeFigureOut">
               <a:rPr lang="en-GB" smtClean="0"/>
-              <a:t>23/02/2019</a:t>
+              <a:t>24/02/2019</a:t>
             </a:fld>
             <a:endParaRPr lang="en-GB"/>
           </a:p>
@@ -1828,7 +1834,7 @@
           <a:p>
             <a:fld id="{DEAFB7DB-6AB6-4C14-B275-76DB06BB0FC6}" type="datetimeFigureOut">
               <a:rPr lang="en-GB" smtClean="0"/>
-              <a:t>23/02/2019</a:t>
+              <a:t>24/02/2019</a:t>
             </a:fld>
             <a:endParaRPr lang="en-GB"/>
           </a:p>
@@ -1970,7 +1976,7 @@
           <a:p>
             <a:fld id="{DEAFB7DB-6AB6-4C14-B275-76DB06BB0FC6}" type="datetimeFigureOut">
               <a:rPr lang="en-GB" smtClean="0"/>
-              <a:t>23/02/2019</a:t>
+              <a:t>24/02/2019</a:t>
             </a:fld>
             <a:endParaRPr lang="en-GB"/>
           </a:p>
@@ -2083,7 +2089,7 @@
           <a:p>
             <a:fld id="{DEAFB7DB-6AB6-4C14-B275-76DB06BB0FC6}" type="datetimeFigureOut">
               <a:rPr lang="en-GB" smtClean="0"/>
-              <a:t>23/02/2019</a:t>
+              <a:t>24/02/2019</a:t>
             </a:fld>
             <a:endParaRPr lang="en-GB"/>
           </a:p>
@@ -2396,7 +2402,7 @@
           <a:p>
             <a:fld id="{DEAFB7DB-6AB6-4C14-B275-76DB06BB0FC6}" type="datetimeFigureOut">
               <a:rPr lang="en-GB" smtClean="0"/>
-              <a:t>23/02/2019</a:t>
+              <a:t>24/02/2019</a:t>
             </a:fld>
             <a:endParaRPr lang="en-GB"/>
           </a:p>
@@ -2685,7 +2691,7 @@
           <a:p>
             <a:fld id="{DEAFB7DB-6AB6-4C14-B275-76DB06BB0FC6}" type="datetimeFigureOut">
               <a:rPr lang="en-GB" smtClean="0"/>
-              <a:t>23/02/2019</a:t>
+              <a:t>24/02/2019</a:t>
             </a:fld>
             <a:endParaRPr lang="en-GB"/>
           </a:p>
@@ -2928,7 +2934,7 @@
           <a:p>
             <a:fld id="{DEAFB7DB-6AB6-4C14-B275-76DB06BB0FC6}" type="datetimeFigureOut">
               <a:rPr lang="en-GB" smtClean="0"/>
-              <a:t>23/02/2019</a:t>
+              <a:t>24/02/2019</a:t>
             </a:fld>
             <a:endParaRPr lang="en-GB"/>
           </a:p>
@@ -3425,8 +3431,8 @@
         </p:nvSpPr>
         <p:spPr>
           <a:xfrm>
-            <a:off x="2466111" y="1761260"/>
-            <a:ext cx="7813964" cy="2800767"/>
+            <a:off x="1309255" y="1484167"/>
+            <a:ext cx="9653588" cy="2800767"/>
           </a:xfrm>
           <a:prstGeom prst="rect">
             <a:avLst/>
@@ -3444,7 +3450,21 @@
                 <a:latin typeface="Utsaah" panose="020B0502040204020203" pitchFamily="34" charset="0"/>
                 <a:cs typeface="Utsaah" panose="020B0502040204020203" pitchFamily="34" charset="0"/>
               </a:rPr>
-              <a:t>“The average response time for category 1 calls in the first 11 months of 2018 was seven minutes and 43 seconds”</a:t>
+              <a:t>“</a:t>
+            </a:r>
+            <a:r>
+              <a:rPr lang="en-GB" sz="2800" i="1" dirty="0">
+                <a:latin typeface="Utsaah" panose="020B0502040204020203" pitchFamily="34" charset="0"/>
+                <a:cs typeface="Utsaah" panose="020B0502040204020203" pitchFamily="34" charset="0"/>
+              </a:rPr>
+              <a:t>The average response time for category 1 calls in the first 11 months of 2018 was seven minutes and 43 seconds</a:t>
+            </a:r>
+            <a:r>
+              <a:rPr lang="en-GB" sz="2800" dirty="0">
+                <a:latin typeface="Utsaah" panose="020B0502040204020203" pitchFamily="34" charset="0"/>
+                <a:cs typeface="Utsaah" panose="020B0502040204020203" pitchFamily="34" charset="0"/>
+              </a:rPr>
+              <a:t>”</a:t>
             </a:r>
           </a:p>
           <a:p>
@@ -3459,7 +3479,14 @@
                 <a:latin typeface="Utsaah" panose="020B0502040204020203" pitchFamily="34" charset="0"/>
                 <a:cs typeface="Utsaah" panose="020B0502040204020203" pitchFamily="34" charset="0"/>
               </a:rPr>
-              <a:t>“For category 2 incidents, the average response time so far this year is 21 minutes and 56 seconds. ”</a:t>
+              <a:t>“</a:t>
+            </a:r>
+            <a:r>
+              <a:rPr lang="en-GB" sz="2800" i="1" dirty="0">
+                <a:latin typeface="Utsaah" panose="020B0502040204020203" pitchFamily="34" charset="0"/>
+                <a:cs typeface="Utsaah" panose="020B0502040204020203" pitchFamily="34" charset="0"/>
+              </a:rPr>
+              <a:t>For category 2 incidents, the average response time so far this year is 21 minutes and 56 seconds.”</a:t>
             </a:r>
           </a:p>
           <a:p>
@@ -3481,10 +3508,10 @@
       </p:sp>
       <p:sp>
         <p:nvSpPr>
-          <p:cNvPr id="5" name="TextBox 4">
-            <a:extLst>
-              <a:ext uri="{FF2B5EF4-FFF2-40B4-BE49-F238E27FC236}">
-                <a16:creationId xmlns:a16="http://schemas.microsoft.com/office/drawing/2014/main" id="{3F8B9579-42A9-46AF-AEDD-6D73BE1C8E48}"/>
+          <p:cNvPr id="7" name="TextBox 6">
+            <a:extLst>
+              <a:ext uri="{FF2B5EF4-FFF2-40B4-BE49-F238E27FC236}">
+                <a16:creationId xmlns:a16="http://schemas.microsoft.com/office/drawing/2014/main" id="{AE8AF2FB-CCDA-4092-BC7C-E85390C4B776}"/>
               </a:ext>
             </a:extLst>
           </p:cNvPr>
@@ -3493,95 +3520,7 @@
         </p:nvSpPr>
         <p:spPr>
           <a:xfrm>
-            <a:off x="822616" y="5373833"/>
-            <a:ext cx="3286991" cy="1107996"/>
-          </a:xfrm>
-          <a:prstGeom prst="rect">
-            <a:avLst/>
-          </a:prstGeom>
-          <a:noFill/>
-        </p:spPr>
-        <p:txBody>
-          <a:bodyPr wrap="square" rtlCol="0">
-            <a:spAutoFit/>
-          </a:bodyPr>
-          <a:lstStyle/>
-          <a:p>
-            <a:r>
-              <a:rPr lang="en-GB" sz="4800" dirty="0">
-                <a:latin typeface="Utsaah" panose="020B0502040204020203" pitchFamily="34" charset="0"/>
-                <a:cs typeface="Utsaah" panose="020B0502040204020203" pitchFamily="34" charset="0"/>
-              </a:rPr>
-              <a:t>CAT 1 – 07:43</a:t>
-            </a:r>
-          </a:p>
-          <a:p>
-            <a:endParaRPr lang="en-GB" dirty="0">
-              <a:latin typeface="Utsaah" panose="020B0502040204020203" pitchFamily="34" charset="0"/>
-              <a:cs typeface="Utsaah" panose="020B0502040204020203" pitchFamily="34" charset="0"/>
-            </a:endParaRPr>
-          </a:p>
-        </p:txBody>
-      </p:sp>
-      <p:sp>
-        <p:nvSpPr>
-          <p:cNvPr id="6" name="TextBox 5">
-            <a:extLst>
-              <a:ext uri="{FF2B5EF4-FFF2-40B4-BE49-F238E27FC236}">
-                <a16:creationId xmlns:a16="http://schemas.microsoft.com/office/drawing/2014/main" id="{94759462-A28F-4071-A53E-B1F5A2C56C6B}"/>
-              </a:ext>
-            </a:extLst>
-          </p:cNvPr>
-          <p:cNvSpPr txBox="1"/>
-          <p:nvPr/>
-        </p:nvSpPr>
-        <p:spPr>
-          <a:xfrm>
-            <a:off x="8082395" y="5373833"/>
-            <a:ext cx="3721678" cy="1107996"/>
-          </a:xfrm>
-          <a:prstGeom prst="rect">
-            <a:avLst/>
-          </a:prstGeom>
-          <a:noFill/>
-        </p:spPr>
-        <p:txBody>
-          <a:bodyPr wrap="square" rtlCol="0">
-            <a:spAutoFit/>
-          </a:bodyPr>
-          <a:lstStyle/>
-          <a:p>
-            <a:r>
-              <a:rPr lang="en-GB" sz="4800" dirty="0">
-                <a:latin typeface="Utsaah" panose="020B0502040204020203" pitchFamily="34" charset="0"/>
-                <a:cs typeface="Utsaah" panose="020B0502040204020203" pitchFamily="34" charset="0"/>
-              </a:rPr>
-              <a:t>CAT 2 – 21:53</a:t>
-            </a:r>
-          </a:p>
-          <a:p>
-            <a:endParaRPr lang="en-GB" dirty="0">
-              <a:latin typeface="Utsaah" panose="020B0502040204020203" pitchFamily="34" charset="0"/>
-              <a:cs typeface="Utsaah" panose="020B0502040204020203" pitchFamily="34" charset="0"/>
-            </a:endParaRPr>
-          </a:p>
-        </p:txBody>
-      </p:sp>
-      <p:sp>
-        <p:nvSpPr>
-          <p:cNvPr id="7" name="TextBox 6">
-            <a:extLst>
-              <a:ext uri="{FF2B5EF4-FFF2-40B4-BE49-F238E27FC236}">
-                <a16:creationId xmlns:a16="http://schemas.microsoft.com/office/drawing/2014/main" id="{AE8AF2FB-CCDA-4092-BC7C-E85390C4B776}"/>
-              </a:ext>
-            </a:extLst>
-          </p:cNvPr>
-          <p:cNvSpPr txBox="1"/>
-          <p:nvPr/>
-        </p:nvSpPr>
-        <p:spPr>
-          <a:xfrm>
-            <a:off x="3470564" y="376171"/>
+            <a:off x="4192732" y="293044"/>
             <a:ext cx="5642264" cy="1107996"/>
           </a:xfrm>
           <a:prstGeom prst="rect">
@@ -3600,12 +3539,250 @@
                 <a:latin typeface="Utsaah" panose="020B0502040204020203" pitchFamily="34" charset="0"/>
                 <a:cs typeface="Utsaah" panose="020B0502040204020203" pitchFamily="34" charset="0"/>
               </a:rPr>
-              <a:t>Why use first2me?</a:t>
+              <a:t>Why first2me?</a:t>
             </a:r>
             <a:endParaRPr lang="en-GB" sz="6600" dirty="0"/>
           </a:p>
         </p:txBody>
       </p:sp>
+      <p:grpSp>
+        <p:nvGrpSpPr>
+          <p:cNvPr id="2" name="Group 1">
+            <a:extLst>
+              <a:ext uri="{FF2B5EF4-FFF2-40B4-BE49-F238E27FC236}">
+                <a16:creationId xmlns:a16="http://schemas.microsoft.com/office/drawing/2014/main" id="{F4223D9A-B538-41B7-9840-9C2C27E9F40A}"/>
+              </a:ext>
+            </a:extLst>
+          </p:cNvPr>
+          <p:cNvGrpSpPr/>
+          <p:nvPr/>
+        </p:nvGrpSpPr>
+        <p:grpSpPr>
+          <a:xfrm>
+            <a:off x="1379816" y="4756441"/>
+            <a:ext cx="4482388" cy="1292662"/>
+            <a:chOff x="1379816" y="4756441"/>
+            <a:chExt cx="4482388" cy="1292662"/>
+          </a:xfrm>
+        </p:grpSpPr>
+        <p:sp>
+          <p:nvSpPr>
+            <p:cNvPr id="5" name="TextBox 4">
+              <a:extLst>
+                <a:ext uri="{FF2B5EF4-FFF2-40B4-BE49-F238E27FC236}">
+                  <a16:creationId xmlns:a16="http://schemas.microsoft.com/office/drawing/2014/main" id="{3F8B9579-42A9-46AF-AEDD-6D73BE1C8E48}"/>
+                </a:ext>
+              </a:extLst>
+            </p:cNvPr>
+            <p:cNvSpPr txBox="1"/>
+            <p:nvPr/>
+          </p:nvSpPr>
+          <p:spPr>
+            <a:xfrm>
+              <a:off x="1879024" y="4756441"/>
+              <a:ext cx="3983180" cy="1292662"/>
+            </a:xfrm>
+            <a:prstGeom prst="rect">
+              <a:avLst/>
+            </a:prstGeom>
+            <a:noFill/>
+          </p:spPr>
+          <p:txBody>
+            <a:bodyPr wrap="square" rtlCol="0">
+              <a:spAutoFit/>
+            </a:bodyPr>
+            <a:lstStyle/>
+            <a:p>
+              <a:r>
+                <a:rPr lang="en-GB" sz="5400" dirty="0">
+                  <a:latin typeface="Utsaah" panose="020B0502040204020203" pitchFamily="34" charset="0"/>
+                  <a:cs typeface="Utsaah" panose="020B0502040204020203" pitchFamily="34" charset="0"/>
+                </a:rPr>
+                <a:t>CAT</a:t>
+              </a:r>
+              <a:r>
+                <a:rPr lang="en-GB" sz="6000" dirty="0">
+                  <a:latin typeface="Utsaah" panose="020B0502040204020203" pitchFamily="34" charset="0"/>
+                  <a:cs typeface="Utsaah" panose="020B0502040204020203" pitchFamily="34" charset="0"/>
+                </a:rPr>
+                <a:t>1 – 07:43</a:t>
+              </a:r>
+            </a:p>
+            <a:p>
+              <a:endParaRPr lang="en-GB" dirty="0">
+                <a:latin typeface="Utsaah" panose="020B0502040204020203" pitchFamily="34" charset="0"/>
+                <a:cs typeface="Utsaah" panose="020B0502040204020203" pitchFamily="34" charset="0"/>
+              </a:endParaRPr>
+            </a:p>
+          </p:txBody>
+        </p:sp>
+        <p:pic>
+          <p:nvPicPr>
+            <p:cNvPr id="1026" name="Picture 2" descr="Image result for clock icon png">
+              <a:extLst>
+                <a:ext uri="{FF2B5EF4-FFF2-40B4-BE49-F238E27FC236}">
+                  <a16:creationId xmlns:a16="http://schemas.microsoft.com/office/drawing/2014/main" id="{574AA6F9-6511-4817-AB4F-1BA8693179E5}"/>
+                </a:ext>
+              </a:extLst>
+            </p:cNvPr>
+            <p:cNvPicPr>
+              <a:picLocks noChangeAspect="1" noChangeArrowheads="1"/>
+            </p:cNvPicPr>
+            <p:nvPr/>
+          </p:nvPicPr>
+          <p:blipFill>
+            <a:blip r:embed="rId2">
+              <a:extLst>
+                <a:ext uri="{28A0092B-C50C-407E-A947-70E740481C1C}">
+                  <a14:useLocalDpi xmlns:a14="http://schemas.microsoft.com/office/drawing/2010/main" val="0"/>
+                </a:ext>
+              </a:extLst>
+            </a:blip>
+            <a:srcRect/>
+            <a:stretch>
+              <a:fillRect/>
+            </a:stretch>
+          </p:blipFill>
+          <p:spPr bwMode="auto">
+            <a:xfrm>
+              <a:off x="1379816" y="4961662"/>
+              <a:ext cx="498263" cy="498263"/>
+            </a:xfrm>
+            <a:prstGeom prst="rect">
+              <a:avLst/>
+            </a:prstGeom>
+            <a:noFill/>
+            <a:extLst>
+              <a:ext uri="{909E8E84-426E-40DD-AFC4-6F175D3DCCD1}">
+                <a14:hiddenFill xmlns:a14="http://schemas.microsoft.com/office/drawing/2010/main">
+                  <a:solidFill>
+                    <a:srgbClr val="FFFFFF"/>
+                  </a:solidFill>
+                </a14:hiddenFill>
+              </a:ext>
+            </a:extLst>
+          </p:spPr>
+        </p:pic>
+      </p:grpSp>
+      <p:grpSp>
+        <p:nvGrpSpPr>
+          <p:cNvPr id="3" name="Group 2">
+            <a:extLst>
+              <a:ext uri="{FF2B5EF4-FFF2-40B4-BE49-F238E27FC236}">
+                <a16:creationId xmlns:a16="http://schemas.microsoft.com/office/drawing/2014/main" id="{EEDC5C84-ACA7-452E-9878-0AA856F6B3AE}"/>
+              </a:ext>
+            </a:extLst>
+          </p:cNvPr>
+          <p:cNvGrpSpPr/>
+          <p:nvPr/>
+        </p:nvGrpSpPr>
+        <p:grpSpPr>
+          <a:xfrm>
+            <a:off x="6722122" y="4756441"/>
+            <a:ext cx="4240721" cy="1292662"/>
+            <a:chOff x="6722122" y="4756441"/>
+            <a:chExt cx="4240721" cy="1292662"/>
+          </a:xfrm>
+        </p:grpSpPr>
+        <p:sp>
+          <p:nvSpPr>
+            <p:cNvPr id="6" name="TextBox 5">
+              <a:extLst>
+                <a:ext uri="{FF2B5EF4-FFF2-40B4-BE49-F238E27FC236}">
+                  <a16:creationId xmlns:a16="http://schemas.microsoft.com/office/drawing/2014/main" id="{94759462-A28F-4071-A53E-B1F5A2C56C6B}"/>
+                </a:ext>
+              </a:extLst>
+            </p:cNvPr>
+            <p:cNvSpPr txBox="1"/>
+            <p:nvPr/>
+          </p:nvSpPr>
+          <p:spPr>
+            <a:xfrm>
+              <a:off x="7241165" y="4756441"/>
+              <a:ext cx="3721678" cy="1292662"/>
+            </a:xfrm>
+            <a:prstGeom prst="rect">
+              <a:avLst/>
+            </a:prstGeom>
+            <a:noFill/>
+          </p:spPr>
+          <p:txBody>
+            <a:bodyPr wrap="square" rtlCol="0">
+              <a:spAutoFit/>
+            </a:bodyPr>
+            <a:lstStyle/>
+            <a:p>
+              <a:r>
+                <a:rPr lang="en-GB" sz="5400" dirty="0">
+                  <a:latin typeface="Utsaah" panose="020B0502040204020203" pitchFamily="34" charset="0"/>
+                  <a:cs typeface="Utsaah" panose="020B0502040204020203" pitchFamily="34" charset="0"/>
+                </a:rPr>
+                <a:t>CAT</a:t>
+              </a:r>
+              <a:r>
+                <a:rPr lang="en-GB" sz="6000" dirty="0">
+                  <a:latin typeface="Utsaah" panose="020B0502040204020203" pitchFamily="34" charset="0"/>
+                  <a:cs typeface="Utsaah" panose="020B0502040204020203" pitchFamily="34" charset="0"/>
+                </a:rPr>
+                <a:t>2 – 21:53</a:t>
+              </a:r>
+            </a:p>
+            <a:p>
+              <a:endParaRPr lang="en-GB" dirty="0">
+                <a:latin typeface="Utsaah" panose="020B0502040204020203" pitchFamily="34" charset="0"/>
+                <a:cs typeface="Utsaah" panose="020B0502040204020203" pitchFamily="34" charset="0"/>
+              </a:endParaRPr>
+            </a:p>
+          </p:txBody>
+        </p:sp>
+        <p:pic>
+          <p:nvPicPr>
+            <p:cNvPr id="9" name="Picture 2" descr="Image result for clock icon png">
+              <a:extLst>
+                <a:ext uri="{FF2B5EF4-FFF2-40B4-BE49-F238E27FC236}">
+                  <a16:creationId xmlns:a16="http://schemas.microsoft.com/office/drawing/2014/main" id="{CDD66195-07D9-49B2-9465-7F07FDE0B556}"/>
+                </a:ext>
+              </a:extLst>
+            </p:cNvPr>
+            <p:cNvPicPr>
+              <a:picLocks noChangeAspect="1" noChangeArrowheads="1"/>
+            </p:cNvPicPr>
+            <p:nvPr/>
+          </p:nvPicPr>
+          <p:blipFill>
+            <a:blip r:embed="rId2">
+              <a:extLst>
+                <a:ext uri="{28A0092B-C50C-407E-A947-70E740481C1C}">
+                  <a14:useLocalDpi xmlns:a14="http://schemas.microsoft.com/office/drawing/2010/main" val="0"/>
+                </a:ext>
+              </a:extLst>
+            </a:blip>
+            <a:srcRect/>
+            <a:stretch>
+              <a:fillRect/>
+            </a:stretch>
+          </p:blipFill>
+          <p:spPr bwMode="auto">
+            <a:xfrm>
+              <a:off x="6722122" y="4961661"/>
+              <a:ext cx="498263" cy="498263"/>
+            </a:xfrm>
+            <a:prstGeom prst="rect">
+              <a:avLst/>
+            </a:prstGeom>
+            <a:noFill/>
+            <a:extLst>
+              <a:ext uri="{909E8E84-426E-40DD-AFC4-6F175D3DCCD1}">
+                <a14:hiddenFill xmlns:a14="http://schemas.microsoft.com/office/drawing/2010/main">
+                  <a:solidFill>
+                    <a:srgbClr val="FFFFFF"/>
+                  </a:solidFill>
+                </a14:hiddenFill>
+              </a:ext>
+            </a:extLst>
+          </p:spPr>
+        </p:pic>
+      </p:grpSp>
     </p:spTree>
     <p:extLst>
       <p:ext uri="{BB962C8B-B14F-4D97-AF65-F5344CB8AC3E}">
@@ -3652,7 +3829,12 @@
             <p:ph idx="1"/>
           </p:nvPr>
         </p:nvSpPr>
-        <p:spPr/>
+        <p:spPr>
+          <a:xfrm>
+            <a:off x="1103168" y="2714048"/>
+            <a:ext cx="10515600" cy="953943"/>
+          </a:xfrm>
+        </p:spPr>
         <p:txBody>
           <a:bodyPr/>
           <a:lstStyle/>
@@ -3662,7 +3844,19 @@
             </a:pPr>
             <a:r>
               <a:rPr lang="en-GB" dirty="0"/>
-              <a:t>First2me provides much needed - faster support while a patient waits for official emergency services to arrive.</a:t>
+              <a:t>First2me provides </a:t>
+            </a:r>
+            <a:r>
+              <a:rPr lang="en-GB" dirty="0">
+                <a:solidFill>
+                  <a:srgbClr val="FF0000"/>
+                </a:solidFill>
+              </a:rPr>
+              <a:t>fast </a:t>
+            </a:r>
+            <a:r>
+              <a:rPr lang="en-GB" dirty="0"/>
+              <a:t>and easy support while a patient waits for official emergency services to arrive.</a:t>
             </a:r>
           </a:p>
         </p:txBody>
@@ -3681,6 +3875,65 @@
 </file>
 
 <file path=ppt/slides/slide4.xml><?xml version="1.0" encoding="utf-8"?>
+<p:sld xmlns:a="http://schemas.openxmlformats.org/drawingml/2006/main" xmlns:r="http://schemas.openxmlformats.org/officeDocument/2006/relationships" xmlns:p="http://schemas.openxmlformats.org/presentationml/2006/main">
+  <p:cSld>
+    <p:spTree>
+      <p:nvGrpSpPr>
+        <p:cNvPr id="1" name=""/>
+        <p:cNvGrpSpPr/>
+        <p:nvPr/>
+      </p:nvGrpSpPr>
+      <p:grpSpPr>
+        <a:xfrm>
+          <a:off x="0" y="0"/>
+          <a:ext cx="0" cy="0"/>
+          <a:chOff x="0" y="0"/>
+          <a:chExt cx="0" cy="0"/>
+        </a:xfrm>
+      </p:grpSpPr>
+      <p:sp>
+        <p:nvSpPr>
+          <p:cNvPr id="2" name="Title 1">
+            <a:extLst>
+              <a:ext uri="{FF2B5EF4-FFF2-40B4-BE49-F238E27FC236}">
+                <a16:creationId xmlns:a16="http://schemas.microsoft.com/office/drawing/2014/main" id="{9BC87E51-1EC4-4969-813E-8A41263CAB65}"/>
+              </a:ext>
+            </a:extLst>
+          </p:cNvPr>
+          <p:cNvSpPr>
+            <a:spLocks noGrp="1"/>
+          </p:cNvSpPr>
+          <p:nvPr>
+            <p:ph type="title"/>
+          </p:nvPr>
+        </p:nvSpPr>
+        <p:spPr/>
+        <p:txBody>
+          <a:bodyPr/>
+          <a:lstStyle/>
+          <a:p>
+            <a:pPr algn="ctr"/>
+            <a:r>
+              <a:rPr lang="en-GB" dirty="0"/>
+              <a:t>Multi – Platform support</a:t>
+            </a:r>
+          </a:p>
+        </p:txBody>
+      </p:sp>
+    </p:spTree>
+    <p:extLst>
+      <p:ext uri="{BB962C8B-B14F-4D97-AF65-F5344CB8AC3E}">
+        <p14:creationId xmlns:p14="http://schemas.microsoft.com/office/powerpoint/2010/main" val="1788214996"/>
+      </p:ext>
+    </p:extLst>
+  </p:cSld>
+  <p:clrMapOvr>
+    <a:masterClrMapping/>
+  </p:clrMapOvr>
+</p:sld>
+</file>
+
+<file path=ppt/slides/slide5.xml><?xml version="1.0" encoding="utf-8"?>
 <p:sld xmlns:a="http://schemas.openxmlformats.org/drawingml/2006/main" xmlns:r="http://schemas.openxmlformats.org/officeDocument/2006/relationships" xmlns:p="http://schemas.openxmlformats.org/presentationml/2006/main">
   <p:cSld>
     <p:spTree>
